--- a/07.PHP/1. Intro to Backend/intro to PHP.pptx
+++ b/07.PHP/1. Intro to Backend/intro to PHP.pptx
@@ -9,9 +9,11 @@
     <p:sldId id="258" r:id="rId3"/>
     <p:sldId id="257" r:id="rId4"/>
     <p:sldId id="259" r:id="rId5"/>
-    <p:sldId id="260" r:id="rId6"/>
-    <p:sldId id="261" r:id="rId7"/>
-    <p:sldId id="262" r:id="rId8"/>
+    <p:sldId id="264" r:id="rId6"/>
+    <p:sldId id="260" r:id="rId7"/>
+    <p:sldId id="261" r:id="rId8"/>
+    <p:sldId id="262" r:id="rId9"/>
+    <p:sldId id="263" r:id="rId10"/>
   </p:sldIdLst>
   <p:sldSz cx="9144000" cy="6858000" type="screen4x3"/>
   <p:notesSz cx="6858000" cy="9144000"/>
@@ -772,7 +774,7 @@
             <a:fld id="{1D8BD707-D9CF-40AE-B4C6-C98DA3205C09}" type="datetimeFigureOut">
               <a:rPr lang="en-US" smtClean="0"/>
               <a:pPr/>
-              <a:t>4/11/2021</a:t>
+              <a:t>4/18/2021</a:t>
             </a:fld>
             <a:endParaRPr lang="en-US"/>
           </a:p>
@@ -957,7 +959,7 @@
             <a:fld id="{1D8BD707-D9CF-40AE-B4C6-C98DA3205C09}" type="datetimeFigureOut">
               <a:rPr lang="en-US" smtClean="0"/>
               <a:pPr/>
-              <a:t>4/11/2021</a:t>
+              <a:t>4/18/2021</a:t>
             </a:fld>
             <a:endParaRPr lang="en-US"/>
           </a:p>
@@ -1134,7 +1136,7 @@
             <a:fld id="{1D8BD707-D9CF-40AE-B4C6-C98DA3205C09}" type="datetimeFigureOut">
               <a:rPr lang="en-US" smtClean="0"/>
               <a:pPr/>
-              <a:t>4/11/2021</a:t>
+              <a:t>4/18/2021</a:t>
             </a:fld>
             <a:endParaRPr lang="en-US"/>
           </a:p>
@@ -1301,7 +1303,7 @@
             <a:fld id="{1D8BD707-D9CF-40AE-B4C6-C98DA3205C09}" type="datetimeFigureOut">
               <a:rPr lang="en-US" smtClean="0"/>
               <a:pPr/>
-              <a:t>4/11/2021</a:t>
+              <a:t>4/18/2021</a:t>
             </a:fld>
             <a:endParaRPr lang="en-US"/>
           </a:p>
@@ -1524,7 +1526,7 @@
             <a:fld id="{1D8BD707-D9CF-40AE-B4C6-C98DA3205C09}" type="datetimeFigureOut">
               <a:rPr lang="en-US" smtClean="0"/>
               <a:pPr/>
-              <a:t>4/11/2021</a:t>
+              <a:t>4/18/2021</a:t>
             </a:fld>
             <a:endParaRPr lang="en-US"/>
           </a:p>
@@ -1785,7 +1787,7 @@
             <a:fld id="{1D8BD707-D9CF-40AE-B4C6-C98DA3205C09}" type="datetimeFigureOut">
               <a:rPr lang="en-US" smtClean="0"/>
               <a:pPr/>
-              <a:t>4/11/2021</a:t>
+              <a:t>4/18/2021</a:t>
             </a:fld>
             <a:endParaRPr lang="en-US"/>
           </a:p>
@@ -2191,7 +2193,7 @@
             <a:fld id="{1D8BD707-D9CF-40AE-B4C6-C98DA3205C09}" type="datetimeFigureOut">
               <a:rPr lang="en-US" smtClean="0"/>
               <a:pPr/>
-              <a:t>4/11/2021</a:t>
+              <a:t>4/18/2021</a:t>
             </a:fld>
             <a:endParaRPr lang="en-US"/>
           </a:p>
@@ -2324,7 +2326,7 @@
             <a:fld id="{1D8BD707-D9CF-40AE-B4C6-C98DA3205C09}" type="datetimeFigureOut">
               <a:rPr lang="en-US" smtClean="0"/>
               <a:pPr/>
-              <a:t>4/11/2021</a:t>
+              <a:t>4/18/2021</a:t>
             </a:fld>
             <a:endParaRPr lang="en-US"/>
           </a:p>
@@ -2426,7 +2428,7 @@
             <a:fld id="{1D8BD707-D9CF-40AE-B4C6-C98DA3205C09}" type="datetimeFigureOut">
               <a:rPr lang="en-US" smtClean="0"/>
               <a:pPr/>
-              <a:t>4/11/2021</a:t>
+              <a:t>4/18/2021</a:t>
             </a:fld>
             <a:endParaRPr lang="en-US"/>
           </a:p>
@@ -2673,7 +2675,7 @@
             <a:fld id="{1D8BD707-D9CF-40AE-B4C6-C98DA3205C09}" type="datetimeFigureOut">
               <a:rPr lang="en-US" smtClean="0"/>
               <a:pPr/>
-              <a:t>4/11/2021</a:t>
+              <a:t>4/18/2021</a:t>
             </a:fld>
             <a:endParaRPr lang="en-US"/>
           </a:p>
@@ -2919,7 +2921,7 @@
             <a:fld id="{1D8BD707-D9CF-40AE-B4C6-C98DA3205C09}" type="datetimeFigureOut">
               <a:rPr lang="en-US" smtClean="0"/>
               <a:pPr/>
-              <a:t>4/11/2021</a:t>
+              <a:t>4/18/2021</a:t>
             </a:fld>
             <a:endParaRPr lang="en-US"/>
           </a:p>
@@ -3745,7 +3747,7 @@
             <a:fld id="{1D8BD707-D9CF-40AE-B4C6-C98DA3205C09}" type="datetimeFigureOut">
               <a:rPr lang="en-US" smtClean="0"/>
               <a:pPr/>
-              <a:t>4/11/2021</a:t>
+              <a:t>4/18/2021</a:t>
             </a:fld>
             <a:endParaRPr lang="en-US"/>
           </a:p>
@@ -4428,14 +4430,9 @@
           </a:p>
           <a:p>
             <a:r>
-              <a:rPr lang="en-US" smtClean="0"/>
-              <a:t>PHP </a:t>
-            </a:r>
-            <a:r>
-              <a:rPr lang="en-US" smtClean="0"/>
-              <a:t>basics</a:t>
-            </a:r>
-            <a:endParaRPr lang="en-US" dirty="0" smtClean="0"/>
+              <a:rPr lang="en-US" dirty="0" smtClean="0"/>
+              <a:t>PHP basics</a:t>
+            </a:r>
           </a:p>
           <a:p>
             <a:r>
@@ -4583,55 +4580,51 @@
           <a:bodyPr/>
           <a:lstStyle/>
           <a:p>
+            <a:r>
+              <a:rPr lang="en-US" dirty="0" smtClean="0"/>
+              <a:t>We will use</a:t>
+            </a:r>
+            <a:endParaRPr lang="en-US" dirty="0"/>
+          </a:p>
+        </p:txBody>
+      </p:sp>
+      <p:sp>
+        <p:nvSpPr>
+          <p:cNvPr id="3" name="Content Placeholder 2"/>
+          <p:cNvSpPr>
+            <a:spLocks noGrp="1"/>
+          </p:cNvSpPr>
+          <p:nvPr>
+            <p:ph idx="1"/>
+          </p:nvPr>
+        </p:nvSpPr>
+        <p:spPr/>
+        <p:txBody>
+          <a:bodyPr/>
+          <a:lstStyle/>
+          <a:p>
+            <a:r>
+              <a:rPr lang="en-US" dirty="0" smtClean="0"/>
+              <a:t>2 Layer architecture</a:t>
+            </a:r>
+          </a:p>
+          <a:p>
+            <a:r>
+              <a:rPr lang="en-US" dirty="0" err="1" smtClean="0"/>
+              <a:t>Mysqli</a:t>
+            </a:r>
+            <a:r>
+              <a:rPr lang="en-US" dirty="0" smtClean="0"/>
+              <a:t> </a:t>
+            </a:r>
+            <a:r>
+              <a:rPr lang="en-US" smtClean="0"/>
+              <a:t>db connection</a:t>
+            </a:r>
             <a:endParaRPr lang="en-US"/>
           </a:p>
         </p:txBody>
       </p:sp>
-      <p:sp>
-        <p:nvSpPr>
-          <p:cNvPr id="3" name="Content Placeholder 2"/>
-          <p:cNvSpPr>
-            <a:spLocks noGrp="1"/>
-          </p:cNvSpPr>
-          <p:nvPr>
-            <p:ph idx="1"/>
-          </p:nvPr>
-        </p:nvSpPr>
-        <p:spPr/>
-        <p:txBody>
-          <a:bodyPr/>
-          <a:lstStyle/>
-          <a:p>
-            <a:endParaRPr lang="en-US" dirty="0"/>
-          </a:p>
-        </p:txBody>
-      </p:sp>
-      <p:pic>
-        <p:nvPicPr>
-          <p:cNvPr id="4098" name="Picture 2" descr="C:\Users\N R DAS\Desktop\Cources\Web-Development-Traning\07.PHP\Intro\4.PNG"/>
-          <p:cNvPicPr>
-            <a:picLocks noChangeAspect="1" noChangeArrowheads="1"/>
-          </p:cNvPicPr>
-          <p:nvPr/>
-        </p:nvPicPr>
-        <p:blipFill>
-          <a:blip r:embed="rId2"/>
-          <a:srcRect t="-19917" r="29909" b="-39419"/>
-          <a:stretch>
-            <a:fillRect/>
-          </a:stretch>
-        </p:blipFill>
-        <p:spPr bwMode="auto">
-          <a:xfrm>
-            <a:off x="533400" y="838200"/>
-            <a:ext cx="8153400" cy="4267200"/>
-          </a:xfrm>
-          <a:prstGeom prst="rect">
-            <a:avLst/>
-          </a:prstGeom>
-          <a:noFill/>
-        </p:spPr>
-      </p:pic>
     </p:spTree>
   </p:cSld>
   <p:clrMapOvr>
@@ -4697,7 +4690,7 @@
       </p:sp>
       <p:pic>
         <p:nvPicPr>
-          <p:cNvPr id="5122" name="Picture 2" descr="C:\Users\N R DAS\Desktop\Cources\Web-Development-Traning\07.PHP\Intro\5.PNG"/>
+          <p:cNvPr id="4098" name="Picture 2" descr="C:\Users\N R DAS\Desktop\Cources\Web-Development-Traning\07.PHP\Intro\4.PNG"/>
           <p:cNvPicPr>
             <a:picLocks noChangeAspect="1" noChangeArrowheads="1"/>
           </p:cNvPicPr>
@@ -4705,15 +4698,15 @@
         </p:nvPicPr>
         <p:blipFill>
           <a:blip r:embed="rId2"/>
-          <a:srcRect r="16583"/>
+          <a:srcRect t="-19917" r="29909" b="-39419"/>
           <a:stretch>
             <a:fillRect/>
           </a:stretch>
         </p:blipFill>
         <p:spPr bwMode="auto">
           <a:xfrm>
-            <a:off x="457200" y="1143000"/>
-            <a:ext cx="8229600" cy="4191000"/>
+            <a:off x="533400" y="838200"/>
+            <a:ext cx="8153400" cy="4267200"/>
           </a:xfrm>
           <a:prstGeom prst="rect">
             <a:avLst/>
@@ -4780,6 +4773,95 @@
           <a:bodyPr/>
           <a:lstStyle/>
           <a:p>
+            <a:endParaRPr lang="en-US" dirty="0"/>
+          </a:p>
+        </p:txBody>
+      </p:sp>
+      <p:pic>
+        <p:nvPicPr>
+          <p:cNvPr id="5122" name="Picture 2" descr="C:\Users\N R DAS\Desktop\Cources\Web-Development-Traning\07.PHP\Intro\5.PNG"/>
+          <p:cNvPicPr>
+            <a:picLocks noChangeAspect="1" noChangeArrowheads="1"/>
+          </p:cNvPicPr>
+          <p:nvPr/>
+        </p:nvPicPr>
+        <p:blipFill>
+          <a:blip r:embed="rId2"/>
+          <a:srcRect r="16583"/>
+          <a:stretch>
+            <a:fillRect/>
+          </a:stretch>
+        </p:blipFill>
+        <p:spPr bwMode="auto">
+          <a:xfrm>
+            <a:off x="457200" y="1143000"/>
+            <a:ext cx="8229600" cy="4191000"/>
+          </a:xfrm>
+          <a:prstGeom prst="rect">
+            <a:avLst/>
+          </a:prstGeom>
+          <a:noFill/>
+        </p:spPr>
+      </p:pic>
+    </p:spTree>
+  </p:cSld>
+  <p:clrMapOvr>
+    <a:masterClrMapping/>
+  </p:clrMapOvr>
+</p:sld>
+</file>
+
+<file path=ppt/slides/slide8.xml><?xml version="1.0" encoding="utf-8"?>
+<p:sld xmlns:a="http://schemas.openxmlformats.org/drawingml/2006/main" xmlns:r="http://schemas.openxmlformats.org/officeDocument/2006/relationships" xmlns:p="http://schemas.openxmlformats.org/presentationml/2006/main">
+  <p:cSld>
+    <p:spTree>
+      <p:nvGrpSpPr>
+        <p:cNvPr id="1" name=""/>
+        <p:cNvGrpSpPr/>
+        <p:nvPr/>
+      </p:nvGrpSpPr>
+      <p:grpSpPr>
+        <a:xfrm>
+          <a:off x="0" y="0"/>
+          <a:ext cx="0" cy="0"/>
+          <a:chOff x="0" y="0"/>
+          <a:chExt cx="0" cy="0"/>
+        </a:xfrm>
+      </p:grpSpPr>
+      <p:sp>
+        <p:nvSpPr>
+          <p:cNvPr id="2" name="Title 1"/>
+          <p:cNvSpPr>
+            <a:spLocks noGrp="1"/>
+          </p:cNvSpPr>
+          <p:nvPr>
+            <p:ph type="title"/>
+          </p:nvPr>
+        </p:nvSpPr>
+        <p:spPr/>
+        <p:txBody>
+          <a:bodyPr/>
+          <a:lstStyle/>
+          <a:p>
+            <a:endParaRPr lang="en-US"/>
+          </a:p>
+        </p:txBody>
+      </p:sp>
+      <p:sp>
+        <p:nvSpPr>
+          <p:cNvPr id="3" name="Content Placeholder 2"/>
+          <p:cNvSpPr>
+            <a:spLocks noGrp="1"/>
+          </p:cNvSpPr>
+          <p:nvPr>
+            <p:ph idx="1"/>
+          </p:nvPr>
+        </p:nvSpPr>
+        <p:spPr/>
+        <p:txBody>
+          <a:bodyPr/>
+          <a:lstStyle/>
+          <a:p>
             <a:endParaRPr lang="en-US"/>
           </a:p>
         </p:txBody>
@@ -4810,6 +4892,95 @@
           <a:noFill/>
         </p:spPr>
       </p:pic>
+    </p:spTree>
+  </p:cSld>
+  <p:clrMapOvr>
+    <a:masterClrMapping/>
+  </p:clrMapOvr>
+</p:sld>
+</file>
+
+<file path=ppt/slides/slide9.xml><?xml version="1.0" encoding="utf-8"?>
+<p:sld xmlns:a="http://schemas.openxmlformats.org/drawingml/2006/main" xmlns:r="http://schemas.openxmlformats.org/officeDocument/2006/relationships" xmlns:p="http://schemas.openxmlformats.org/presentationml/2006/main">
+  <p:cSld>
+    <p:spTree>
+      <p:nvGrpSpPr>
+        <p:cNvPr id="1" name=""/>
+        <p:cNvGrpSpPr/>
+        <p:nvPr/>
+      </p:nvGrpSpPr>
+      <p:grpSpPr>
+        <a:xfrm>
+          <a:off x="0" y="0"/>
+          <a:ext cx="0" cy="0"/>
+          <a:chOff x="0" y="0"/>
+          <a:chExt cx="0" cy="0"/>
+        </a:xfrm>
+      </p:grpSpPr>
+      <p:sp>
+        <p:nvSpPr>
+          <p:cNvPr id="2" name="Title 1"/>
+          <p:cNvSpPr>
+            <a:spLocks noGrp="1"/>
+          </p:cNvSpPr>
+          <p:nvPr>
+            <p:ph type="title"/>
+          </p:nvPr>
+        </p:nvSpPr>
+        <p:spPr/>
+        <p:txBody>
+          <a:bodyPr/>
+          <a:lstStyle/>
+          <a:p>
+            <a:r>
+              <a:rPr lang="en-US" dirty="0" smtClean="0"/>
+              <a:t>After PHP</a:t>
+            </a:r>
+            <a:endParaRPr lang="en-US" dirty="0"/>
+          </a:p>
+        </p:txBody>
+      </p:sp>
+      <p:sp>
+        <p:nvSpPr>
+          <p:cNvPr id="3" name="Content Placeholder 2"/>
+          <p:cNvSpPr>
+            <a:spLocks noGrp="1"/>
+          </p:cNvSpPr>
+          <p:nvPr>
+            <p:ph idx="1"/>
+          </p:nvPr>
+        </p:nvSpPr>
+        <p:spPr/>
+        <p:txBody>
+          <a:bodyPr/>
+          <a:lstStyle/>
+          <a:p>
+            <a:r>
+              <a:rPr lang="en-US" dirty="0" smtClean="0"/>
+              <a:t>OOPs(Object oriented Programming) PHP </a:t>
+            </a:r>
+          </a:p>
+          <a:p>
+            <a:r>
+              <a:rPr lang="en-US" dirty="0" smtClean="0"/>
+              <a:t>3layer architecture</a:t>
+            </a:r>
+          </a:p>
+          <a:p>
+            <a:r>
+              <a:rPr lang="en-US" dirty="0" smtClean="0"/>
+              <a:t>PDO (PHP data types) database connection</a:t>
+            </a:r>
+          </a:p>
+          <a:p>
+            <a:r>
+              <a:rPr lang="en-US" dirty="0" err="1" smtClean="0"/>
+              <a:t>Laravel</a:t>
+            </a:r>
+            <a:endParaRPr lang="en-US" dirty="0"/>
+          </a:p>
+        </p:txBody>
+      </p:sp>
     </p:spTree>
   </p:cSld>
   <p:clrMapOvr>
